--- a/slides/L15-strong-cap.pptx
+++ b/slides/L15-strong-cap.pptx
@@ -3004,36 +3004,6 @@
           </a:p>
         </p:txBody>
       </p:sp>
-      <p:pic>
-        <p:nvPicPr>
-          <p:cNvPr id="8" name="Picture 7" descr="Princeton_shield.tif"/>
-          <p:cNvPicPr>
-            <a:picLocks noChangeAspect="1"/>
-          </p:cNvPicPr>
-          <p:nvPr userDrawn="1"/>
-        </p:nvPicPr>
-        <p:blipFill>
-          <a:blip r:embed="rId2">
-            <a:extLst>
-              <a:ext uri="{28A0092B-C50C-407E-A947-70E740481C1C}">
-                <a14:useLocalDpi xmlns:a14="http://schemas.microsoft.com/office/drawing/2010/main" val="0"/>
-              </a:ext>
-            </a:extLst>
-          </a:blip>
-          <a:stretch>
-            <a:fillRect/>
-          </a:stretch>
-        </p:blipFill>
-        <p:spPr>
-          <a:xfrm>
-            <a:off x="8229600" y="457200"/>
-            <a:ext cx="685800" cy="763628"/>
-          </a:xfrm>
-          <a:prstGeom prst="rect">
-            <a:avLst/>
-          </a:prstGeom>
-        </p:spPr>
-      </p:pic>
       <p:cxnSp>
         <p:nvCxnSpPr>
           <p:cNvPr id="9" name="Straight Connector 8"/>
@@ -6446,7 +6416,7 @@
             </a:r>
             <a:r>
               <a:rPr lang="en-US" dirty="0" smtClean="0"/>
-              <a:t>14</a:t>
+              <a:t>15</a:t>
             </a:r>
             <a:endParaRPr lang="en-US" dirty="0"/>
           </a:p>
@@ -6497,21 +6467,8 @@
                 <a:ea typeface="Arial" charset="0"/>
                 <a:cs typeface="Arial" charset="0"/>
               </a:rPr>
-              <a:t>material</a:t>
-            </a:r>
-            <a:r>
-              <a:rPr lang="en-US" sz="1400" b="0" dirty="0" smtClean="0">
-                <a:latin typeface="Arial" charset="0"/>
-                <a:ea typeface="Arial" charset="0"/>
-                <a:cs typeface="Arial" charset="0"/>
-              </a:rPr>
-              <a:t>.</a:t>
-            </a:r>
-            <a:endParaRPr lang="en-US" sz="1400" b="0" dirty="0" smtClean="0">
-              <a:latin typeface="Arial" charset="0"/>
-              <a:ea typeface="Arial" charset="0"/>
-              <a:cs typeface="Arial" charset="0"/>
-            </a:endParaRPr>
+              <a:t>material.</a:t>
+            </a:r>
           </a:p>
         </p:txBody>
       </p:sp>
